--- a/BIOM201/antaki_biom201_20191108.pptx
+++ b/BIOM201/antaki_biom201_20191108.pptx
@@ -3871,6 +3871,50 @@
               <a:rPr lang="en-US" dirty="0"/>
               <a:t>Nov. 8 2019</a:t>
             </a:r>
+          </a:p>
+        </p:txBody>
+      </p:sp>
+      <p:sp>
+        <p:nvSpPr>
+          <p:cNvPr id="4" name="Rectangle 3">
+            <a:extLst>
+              <a:ext uri="{FF2B5EF4-FFF2-40B4-BE49-F238E27FC236}">
+                <a16:creationId xmlns:a16="http://schemas.microsoft.com/office/drawing/2014/main" id="{8A980DA0-4859-CD46-9AB3-89BFD521084B}"/>
+              </a:ext>
+            </a:extLst>
+          </p:cNvPr>
+          <p:cNvSpPr/>
+          <p:nvPr/>
+        </p:nvSpPr>
+        <p:spPr>
+          <a:xfrm>
+            <a:off x="2830285" y="5349875"/>
+            <a:ext cx="7402285" cy="369332"/>
+          </a:xfrm>
+          <a:prstGeom prst="rect">
+            <a:avLst/>
+          </a:prstGeom>
+        </p:spPr>
+        <p:txBody>
+          <a:bodyPr wrap="square">
+            <a:spAutoFit/>
+          </a:bodyPr>
+          <a:lstStyle/>
+          <a:p>
+            <a:pPr algn="ctr"/>
+            <a:r>
+              <a:rPr lang="en-US" dirty="0" err="1"/>
+              <a:t>dantaki.github.io</a:t>
+            </a:r>
+            <a:r>
+              <a:rPr lang="en-US" dirty="0"/>
+              <a:t>/</a:t>
+            </a:r>
+            <a:r>
+              <a:rPr lang="en-US" dirty="0" err="1"/>
+              <a:t>presentations.html</a:t>
+            </a:r>
+            <a:endParaRPr lang="en-US" dirty="0"/>
           </a:p>
         </p:txBody>
       </p:sp>
@@ -12733,7 +12777,31 @@
           <a:bodyPr/>
           <a:lstStyle/>
           <a:p>
-            <a:endParaRPr lang="en-US" dirty="0"/>
+            <a:pPr marL="0" indent="0" algn="ctr">
+              <a:buNone/>
+            </a:pPr>
+            <a:r>
+              <a:rPr lang="en-US" dirty="0"/>
+              <a:t>Download this talk at</a:t>
+            </a:r>
+          </a:p>
+          <a:p>
+            <a:pPr marL="0" indent="0" algn="ctr">
+              <a:buNone/>
+            </a:pPr>
+            <a:r>
+              <a:rPr lang="en-US" i="1" dirty="0" err="1"/>
+              <a:t>dantaki.github.io</a:t>
+            </a:r>
+            <a:r>
+              <a:rPr lang="en-US" i="1" dirty="0"/>
+              <a:t>/</a:t>
+            </a:r>
+            <a:r>
+              <a:rPr lang="en-US" i="1" dirty="0" err="1"/>
+              <a:t>presentations.html</a:t>
+            </a:r>
+            <a:endParaRPr lang="en-US" i="1" dirty="0"/>
           </a:p>
         </p:txBody>
       </p:sp>
@@ -12764,8 +12832,8 @@
         </p:blipFill>
         <p:spPr bwMode="auto">
           <a:xfrm>
-            <a:off x="3954115" y="1727654"/>
-            <a:ext cx="4283769" cy="4531065"/>
+            <a:off x="4339257" y="2950733"/>
+            <a:ext cx="3513485" cy="3716314"/>
           </a:xfrm>
           <a:prstGeom prst="rect">
             <a:avLst/>

--- a/BIOM201/antaki_biom201_20191108.pptx
+++ b/BIOM201/antaki_biom201_20191108.pptx
@@ -3908,13 +3908,8 @@
             </a:r>
             <a:r>
               <a:rPr lang="en-US" dirty="0"/>
-              <a:t>/</a:t>
-            </a:r>
-            <a:r>
-              <a:rPr lang="en-US" dirty="0" err="1"/>
-              <a:t>presentations.html</a:t>
-            </a:r>
-            <a:endParaRPr lang="en-US" dirty="0"/>
+              <a:t>/presentations</a:t>
+            </a:r>
           </a:p>
         </p:txBody>
       </p:sp>
@@ -12794,12 +12789,8 @@
               <a:t>dantaki.github.io</a:t>
             </a:r>
             <a:r>
-              <a:rPr lang="en-US" i="1" dirty="0"/>
-              <a:t>/</a:t>
-            </a:r>
-            <a:r>
-              <a:rPr lang="en-US" i="1" dirty="0" err="1"/>
-              <a:t>presentations.html</a:t>
+              <a:rPr lang="en-US" i="1"/>
+              <a:t>/presentations</a:t>
             </a:r>
             <a:endParaRPr lang="en-US" i="1" dirty="0"/>
           </a:p>
